--- a/se_prog/slides/10_ExceptionsDebugging.pptx
+++ b/se_prog/slides/10_ExceptionsDebugging.pptx
@@ -327,7 +327,7 @@
               <a:pPr>
                 <a:defRPr/>
               </a:pPr>
-              <a:t>13.12.2019</a:t>
+              <a:t>18.12.2019</a:t>
             </a:fld>
             <a:endParaRPr lang="de-DE"/>
           </a:p>
@@ -2221,7 +2221,7 @@
               <a:pPr>
                 <a:defRPr/>
               </a:pPr>
-              <a:t>13.12.2019</a:t>
+              <a:t>18.12.2019</a:t>
             </a:fld>
             <a:endParaRPr lang="de-DE"/>
           </a:p>
@@ -2650,7 +2650,7 @@
               <a:pPr>
                 <a:defRPr/>
               </a:pPr>
-              <a:t>13.12.2019</a:t>
+              <a:t>18.12.2019</a:t>
             </a:fld>
             <a:endParaRPr lang="de-DE"/>
           </a:p>
@@ -3094,7 +3094,7 @@
               <a:pPr>
                 <a:defRPr/>
               </a:pPr>
-              <a:t>13.12.2019</a:t>
+              <a:t>18.12.2019</a:t>
             </a:fld>
             <a:endParaRPr lang="de-DE"/>
           </a:p>
@@ -3236,7 +3236,7 @@
               <a:pPr>
                 <a:defRPr/>
               </a:pPr>
-              <a:t>13.12.2019</a:t>
+              <a:t>18.12.2019</a:t>
             </a:fld>
             <a:endParaRPr lang="de-DE"/>
           </a:p>
@@ -3356,7 +3356,7 @@
               <a:pPr>
                 <a:defRPr/>
               </a:pPr>
-              <a:t>13.12.2019</a:t>
+              <a:t>18.12.2019</a:t>
             </a:fld>
             <a:endParaRPr lang="de-DE"/>
           </a:p>
@@ -3656,7 +3656,7 @@
               <a:pPr>
                 <a:defRPr/>
               </a:pPr>
-              <a:t>13.12.2019</a:t>
+              <a:t>18.12.2019</a:t>
             </a:fld>
             <a:endParaRPr lang="de-DE"/>
           </a:p>
@@ -3939,7 +3939,7 @@
               <a:pPr>
                 <a:defRPr/>
               </a:pPr>
-              <a:t>13.12.2019</a:t>
+              <a:t>18.12.2019</a:t>
             </a:fld>
             <a:endParaRPr lang="de-DE"/>
           </a:p>
@@ -4132,7 +4132,7 @@
               <a:pPr>
                 <a:defRPr/>
               </a:pPr>
-              <a:t>13.12.2019</a:t>
+              <a:t>18.12.2019</a:t>
             </a:fld>
             <a:endParaRPr lang="de-DE"/>
           </a:p>
@@ -4335,7 +4335,7 @@
               <a:pPr>
                 <a:defRPr/>
               </a:pPr>
-              <a:t>13.12.2019</a:t>
+              <a:t>18.12.2019</a:t>
             </a:fld>
             <a:endParaRPr lang="de-DE"/>
           </a:p>
@@ -4601,7 +4601,7 @@
               <a:pPr>
                 <a:defRPr/>
               </a:pPr>
-              <a:t>13.12.2019</a:t>
+              <a:t>18.12.2019</a:t>
             </a:fld>
             <a:endParaRPr lang="de-DE"/>
           </a:p>
@@ -4992,7 +4992,7 @@
               <a:pPr>
                 <a:defRPr/>
               </a:pPr>
-              <a:t>13.12.2019</a:t>
+              <a:t>18.12.2019</a:t>
             </a:fld>
             <a:endParaRPr lang="de-DE"/>
           </a:p>
@@ -5386,7 +5386,7 @@
               <a:pPr>
                 <a:defRPr/>
               </a:pPr>
-              <a:t>13.12.2019</a:t>
+              <a:t>18.12.2019</a:t>
             </a:fld>
             <a:endParaRPr lang="de-DE"/>
           </a:p>
@@ -5843,7 +5843,7 @@
               <a:pPr>
                 <a:defRPr/>
               </a:pPr>
-              <a:t>13.12.2019</a:t>
+              <a:t>18.12.2019</a:t>
             </a:fld>
             <a:endParaRPr lang="de-DE"/>
           </a:p>
@@ -6188,7 +6188,7 @@
               <a:pPr>
                 <a:defRPr/>
               </a:pPr>
-              <a:t>13.12.2019</a:t>
+              <a:t>18.12.2019</a:t>
             </a:fld>
             <a:endParaRPr lang="de-DE"/>
           </a:p>
@@ -6500,7 +6500,7 @@
               <a:pPr>
                 <a:defRPr/>
               </a:pPr>
-              <a:t>13.12.2019</a:t>
+              <a:t>18.12.2019</a:t>
             </a:fld>
             <a:endParaRPr lang="de-DE"/>
           </a:p>
@@ -6825,7 +6825,7 @@
               <a:pPr>
                 <a:defRPr/>
               </a:pPr>
-              <a:t>13.12.2019</a:t>
+              <a:t>18.12.2019</a:t>
             </a:fld>
             <a:endParaRPr lang="de-DE"/>
           </a:p>
@@ -7100,7 +7100,7 @@
               <a:pPr>
                 <a:defRPr/>
               </a:pPr>
-              <a:t>13.12.2019</a:t>
+              <a:t>18.12.2019</a:t>
             </a:fld>
             <a:endParaRPr lang="de-DE"/>
           </a:p>
@@ -7359,7 +7359,7 @@
               <a:pPr>
                 <a:defRPr/>
               </a:pPr>
-              <a:t>13.12.2019</a:t>
+              <a:t>18.12.2019</a:t>
             </a:fld>
             <a:endParaRPr lang="de-DE"/>
           </a:p>
@@ -8990,6 +8990,13 @@
   <p:clrMapOvr>
     <a:masterClrMapping/>
   </p:clrMapOvr>
+  <p:timing>
+    <p:tnLst>
+      <p:par>
+        <p:cTn id="1" dur="indefinite" restart="never" nodeType="tmRoot"/>
+      </p:par>
+    </p:tnLst>
+  </p:timing>
 </p:sld>
 </file>
 
@@ -11337,7 +11344,51 @@
                 </a:solidFill>
                 <a:latin typeface="Consolas" panose="020B0609020204030204" pitchFamily="49" charset="0"/>
               </a:rPr>
-              <a:t>finall</a:t>
+              <a:t>finally</a:t>
+            </a:r>
+            <a:r>
+              <a:rPr lang="de-DE" dirty="0" smtClean="0"/>
+              <a:t> block </a:t>
+            </a:r>
+            <a:r>
+              <a:rPr lang="de-DE" dirty="0" err="1" smtClean="0"/>
+              <a:t>be</a:t>
+            </a:r>
+            <a:r>
+              <a:rPr lang="de-DE" dirty="0" smtClean="0"/>
+              <a:t> </a:t>
+            </a:r>
+            <a:r>
+              <a:rPr lang="de-DE" dirty="0" err="1" smtClean="0"/>
+              <a:t>executed</a:t>
+            </a:r>
+            <a:r>
+              <a:rPr lang="de-DE" dirty="0" smtClean="0"/>
+              <a:t> </a:t>
+            </a:r>
+            <a:r>
+              <a:rPr lang="de-DE" dirty="0" err="1" smtClean="0"/>
+              <a:t>when</a:t>
+            </a:r>
+            <a:r>
+              <a:rPr lang="de-DE" dirty="0" smtClean="0"/>
+              <a:t> </a:t>
+            </a:r>
+            <a:r>
+              <a:rPr lang="de-DE" dirty="0" err="1" smtClean="0"/>
+              <a:t>there</a:t>
+            </a:r>
+            <a:r>
+              <a:rPr lang="de-DE" dirty="0" smtClean="0"/>
+              <a:t> </a:t>
+            </a:r>
+            <a:r>
+              <a:rPr lang="de-DE" dirty="0" err="1" smtClean="0"/>
+              <a:t>is</a:t>
+            </a:r>
+            <a:r>
+              <a:rPr lang="de-DE" dirty="0" smtClean="0"/>
+              <a:t> a </a:t>
             </a:r>
             <a:r>
               <a:rPr lang="de-DE" b="1" dirty="0" err="1" smtClean="0">
@@ -11346,80 +11397,27 @@
                 </a:solidFill>
                 <a:latin typeface="Consolas" panose="020B0609020204030204" pitchFamily="49" charset="0"/>
               </a:rPr>
-              <a:t>y</a:t>
-            </a:r>
-            <a:r>
-              <a:rPr lang="de-DE" dirty="0" smtClean="0"/>
-              <a:t> block </a:t>
-            </a:r>
-            <a:r>
-              <a:rPr lang="de-DE" dirty="0" err="1" smtClean="0"/>
-              <a:t>be</a:t>
-            </a:r>
-            <a:r>
-              <a:rPr lang="de-DE" dirty="0" smtClean="0"/>
-              <a:t> </a:t>
-            </a:r>
-            <a:r>
-              <a:rPr lang="de-DE" dirty="0" err="1" smtClean="0"/>
-              <a:t>executed</a:t>
-            </a:r>
-            <a:r>
-              <a:rPr lang="de-DE" dirty="0" smtClean="0"/>
-              <a:t> </a:t>
-            </a:r>
-            <a:r>
-              <a:rPr lang="de-DE" dirty="0" err="1" smtClean="0"/>
-              <a:t>when</a:t>
-            </a:r>
-            <a:r>
-              <a:rPr lang="de-DE" dirty="0" smtClean="0"/>
-              <a:t> </a:t>
-            </a:r>
-            <a:r>
-              <a:rPr lang="de-DE" dirty="0" err="1" smtClean="0"/>
-              <a:t>there</a:t>
-            </a:r>
-            <a:r>
-              <a:rPr lang="de-DE" dirty="0" smtClean="0"/>
-              <a:t> </a:t>
-            </a:r>
-            <a:r>
-              <a:rPr lang="de-DE" dirty="0" err="1" smtClean="0"/>
-              <a:t>is</a:t>
-            </a:r>
-            <a:r>
-              <a:rPr lang="de-DE" dirty="0" smtClean="0"/>
-              <a:t> a </a:t>
-            </a:r>
-            <a:r>
-              <a:rPr lang="de-DE" b="1" dirty="0" err="1" smtClean="0">
+              <a:t>return</a:t>
+            </a:r>
+            <a:r>
+              <a:rPr lang="de-DE" dirty="0" smtClean="0"/>
+              <a:t> </a:t>
+            </a:r>
+            <a:r>
+              <a:rPr lang="de-DE" dirty="0" err="1" smtClean="0"/>
+              <a:t>or</a:t>
+            </a:r>
+            <a:r>
+              <a:rPr lang="de-DE" dirty="0" smtClean="0"/>
+              <a:t> </a:t>
+            </a:r>
+            <a:r>
+              <a:rPr lang="de-DE" b="1" dirty="0" smtClean="0">
                 <a:solidFill>
                   <a:srgbClr val="7F0055"/>
                 </a:solidFill>
                 <a:latin typeface="Consolas" panose="020B0609020204030204" pitchFamily="49" charset="0"/>
               </a:rPr>
-              <a:t>return</a:t>
-            </a:r>
-            <a:r>
-              <a:rPr lang="de-DE" dirty="0" smtClean="0"/>
-              <a:t> </a:t>
-            </a:r>
-            <a:r>
-              <a:rPr lang="de-DE" dirty="0" err="1" smtClean="0"/>
-              <a:t>or</a:t>
-            </a:r>
-            <a:r>
-              <a:rPr lang="de-DE" dirty="0" smtClean="0"/>
-              <a:t> </a:t>
-            </a:r>
-            <a:r>
-              <a:rPr lang="de-DE" b="1" dirty="0" smtClean="0">
-                <a:solidFill>
-                  <a:srgbClr val="7F0055"/>
-                </a:solidFill>
-                <a:latin typeface="Consolas" panose="020B0609020204030204" pitchFamily="49" charset="0"/>
-              </a:rPr>
               <a:t>break</a:t>
             </a:r>
             <a:r>
@@ -11442,7 +11440,6 @@
               <a:rPr lang="de-DE" dirty="0" smtClean="0"/>
               <a:t>-catch block?</a:t>
             </a:r>
-            <a:endParaRPr lang="de-DE" dirty="0" smtClean="0"/>
           </a:p>
           <a:p>
             <a:pPr lvl="1"/>
@@ -11657,7 +11654,6 @@
               <a:rPr lang="de-DE" dirty="0" smtClean="0"/>
               <a:t>)</a:t>
             </a:r>
-            <a:endParaRPr lang="de-DE" dirty="0" smtClean="0"/>
           </a:p>
         </p:txBody>
       </p:sp>
@@ -13144,6 +13140,13 @@
   <p:clrMapOvr>
     <a:masterClrMapping/>
   </p:clrMapOvr>
+  <p:timing>
+    <p:tnLst>
+      <p:par>
+        <p:cTn id="1" dur="indefinite" restart="never" nodeType="tmRoot"/>
+      </p:par>
+    </p:tnLst>
+  </p:timing>
 </p:sld>
 </file>
 
@@ -13230,11 +13233,7 @@
             </a:r>
             <a:r>
               <a:rPr lang="de-DE" dirty="0" err="1" smtClean="0"/>
-              <a:t>expection</a:t>
-            </a:r>
-            <a:r>
-              <a:rPr lang="de-DE" dirty="0" err="1" smtClean="0"/>
-              <a:t>s</a:t>
+              <a:t>expections</a:t>
             </a:r>
             <a:r>
               <a:rPr lang="de-DE" dirty="0" smtClean="0"/>
@@ -13256,7 +13255,6 @@
               <a:rPr lang="de-DE" dirty="0" smtClean="0"/>
               <a:t>)</a:t>
             </a:r>
-            <a:endParaRPr lang="de-DE" dirty="0" smtClean="0"/>
           </a:p>
           <a:p>
             <a:pPr lvl="1"/>
@@ -16295,11 +16293,7 @@
             </a:r>
             <a:r>
               <a:rPr lang="de-DE" dirty="0" err="1" smtClean="0"/>
-              <a:t>hard</a:t>
-            </a:r>
-            <a:r>
-              <a:rPr lang="de-DE" dirty="0" err="1" smtClean="0"/>
-              <a:t>ware</a:t>
+              <a:t>hardware</a:t>
             </a:r>
             <a:r>
               <a:rPr lang="de-DE" dirty="0" smtClean="0"/>
@@ -16824,15 +16818,15 @@
             <a:pPr lvl="1"/>
             <a:r>
               <a:rPr lang="de-DE" dirty="0" smtClean="0"/>
-              <a:t>Standardeingabe</a:t>
-            </a:r>
-            <a:r>
-              <a:rPr lang="de-DE" dirty="0"/>
-              <a:t>: </a:t>
-            </a:r>
-            <a:r>
-              <a:rPr lang="de-DE" dirty="0" smtClean="0"/>
-              <a:t>System.</a:t>
+              <a:t>Standard </a:t>
+            </a:r>
+            <a:r>
+              <a:rPr lang="de-DE" dirty="0" err="1" smtClean="0"/>
+              <a:t>input</a:t>
+            </a:r>
+            <a:r>
+              <a:rPr lang="de-DE" dirty="0" smtClean="0"/>
+              <a:t>: System.</a:t>
             </a:r>
             <a:r>
               <a:rPr lang="de-DE" dirty="0" smtClean="0">
@@ -17412,6 +17406,13 @@
   <p:clrMapOvr>
     <a:masterClrMapping/>
   </p:clrMapOvr>
+  <p:timing>
+    <p:tnLst>
+      <p:par>
+        <p:cTn id="1" dur="indefinite" restart="never" nodeType="tmRoot"/>
+      </p:par>
+    </p:tnLst>
+  </p:timing>
 </p:sld>
 </file>
 
@@ -17573,11 +17574,7 @@
             </a:r>
             <a:r>
               <a:rPr lang="de-DE" dirty="0" err="1" smtClean="0"/>
-              <a:t>return</a:t>
-            </a:r>
-            <a:r>
-              <a:rPr lang="de-DE" dirty="0" err="1" smtClean="0"/>
-              <a:t>s</a:t>
+              <a:t>returns</a:t>
             </a:r>
             <a:r>
               <a:rPr lang="de-DE" dirty="0" smtClean="0"/>
@@ -19705,6 +19702,13 @@
   <p:clrMapOvr>
     <a:masterClrMapping/>
   </p:clrMapOvr>
+  <p:timing>
+    <p:tnLst>
+      <p:par>
+        <p:cTn id="1" dur="indefinite" restart="never" nodeType="tmRoot"/>
+      </p:par>
+    </p:tnLst>
+  </p:timing>
 </p:sld>
 </file>
 
@@ -20675,7 +20679,6 @@
               <a:rPr lang="de-DE" dirty="0"/>
               <a:t> Errors II</a:t>
             </a:r>
-            <a:endParaRPr lang="de-DE" dirty="0"/>
           </a:p>
         </p:txBody>
       </p:sp>
@@ -21477,6 +21480,13 @@
   <p:clrMapOvr>
     <a:masterClrMapping/>
   </p:clrMapOvr>
+  <p:timing>
+    <p:tnLst>
+      <p:par>
+        <p:cTn id="1" dur="indefinite" restart="never" nodeType="tmRoot"/>
+      </p:par>
+    </p:tnLst>
+  </p:timing>
 </p:sld>
 </file>
 
@@ -21544,7 +21554,6 @@
               <a:rPr lang="de-DE" dirty="0"/>
               <a:t> Errors III</a:t>
             </a:r>
-            <a:endParaRPr lang="de-DE" dirty="0"/>
           </a:p>
         </p:txBody>
       </p:sp>
@@ -22605,7 +22614,6 @@
               <a:rPr lang="de-DE" dirty="0"/>
               <a:t> Errors IV</a:t>
             </a:r>
-            <a:endParaRPr lang="de-DE" dirty="0"/>
           </a:p>
         </p:txBody>
       </p:sp>
@@ -23340,6 +23348,13 @@
   <p:clrMapOvr>
     <a:masterClrMapping/>
   </p:clrMapOvr>
+  <p:timing>
+    <p:tnLst>
+      <p:par>
+        <p:cTn id="1" dur="indefinite" restart="never" nodeType="tmRoot"/>
+      </p:par>
+    </p:tnLst>
+  </p:timing>
 </p:sld>
 </file>
 
@@ -23605,11 +23620,7 @@
             </a:r>
             <a:r>
               <a:rPr lang="de-DE" dirty="0" smtClean="0"/>
-              <a:t> </a:t>
-            </a:r>
-            <a:r>
-              <a:rPr lang="de-DE" dirty="0" smtClean="0"/>
-              <a:t>an </a:t>
+              <a:t> an </a:t>
             </a:r>
             <a:r>
               <a:rPr lang="de-DE" dirty="0" err="1" smtClean="0"/>
@@ -23714,11 +23725,7 @@
             </a:r>
             <a:r>
               <a:rPr lang="de-DE" dirty="0" err="1" smtClean="0"/>
-              <a:t>return</a:t>
-            </a:r>
-            <a:r>
-              <a:rPr lang="de-DE" dirty="0" err="1" smtClean="0"/>
-              <a:t>ed</a:t>
+              <a:t>returned</a:t>
             </a:r>
             <a:r>
               <a:rPr lang="de-DE" dirty="0" smtClean="0"/>
@@ -24988,7 +24995,6 @@
               <a:rPr lang="de-DE" dirty="0" smtClean="0"/>
               <a:t>)</a:t>
             </a:r>
-            <a:endParaRPr lang="de-DE" dirty="0" smtClean="0"/>
           </a:p>
           <a:p>
             <a:r>
@@ -25142,6 +25148,13 @@
   <p:clrMapOvr>
     <a:masterClrMapping/>
   </p:clrMapOvr>
+  <p:timing>
+    <p:tnLst>
+      <p:par>
+        <p:cTn id="1" dur="indefinite" restart="never" nodeType="tmRoot"/>
+      </p:par>
+    </p:tnLst>
+  </p:timing>
 </p:sld>
 </file>
 
@@ -25326,6 +25339,13 @@
   <p:clrMapOvr>
     <a:masterClrMapping/>
   </p:clrMapOvr>
+  <p:timing>
+    <p:tnLst>
+      <p:par>
+        <p:cTn id="1" dur="indefinite" restart="never" nodeType="tmRoot"/>
+      </p:par>
+    </p:tnLst>
+  </p:timing>
 </p:sld>
 </file>
 
@@ -25634,7 +25654,15 @@
             </a:r>
             <a:r>
               <a:rPr lang="de-DE" dirty="0" smtClean="0"/>
-              <a:t> (e.g., 12/16719 -&gt; </a:t>
+              <a:t> (e.g</a:t>
+            </a:r>
+            <a:r>
+              <a:rPr lang="de-DE" smtClean="0"/>
+              <a:t>., 12/16/19 </a:t>
+            </a:r>
+            <a:r>
+              <a:rPr lang="de-DE" dirty="0" smtClean="0"/>
+              <a:t>-&gt; </a:t>
             </a:r>
             <a:r>
               <a:rPr lang="de-DE" dirty="0" err="1" smtClean="0"/>
@@ -25965,6 +25993,13 @@
   <p:clrMapOvr>
     <a:masterClrMapping/>
   </p:clrMapOvr>
+  <p:timing>
+    <p:tnLst>
+      <p:par>
+        <p:cTn id="1" dur="indefinite" restart="never" nodeType="tmRoot"/>
+      </p:par>
+    </p:tnLst>
+  </p:timing>
 </p:sld>
 </file>
 
@@ -27696,7 +27731,6 @@
               <a:rPr lang="de-DE" dirty="0" smtClean="0"/>
               <a:t>)</a:t>
             </a:r>
-            <a:endParaRPr lang="de-DE" dirty="0" smtClean="0"/>
           </a:p>
           <a:p>
             <a:pPr lvl="1"/>
@@ -27899,11 +27933,7 @@
             </a:r>
             <a:r>
               <a:rPr lang="de-DE" dirty="0" err="1" smtClean="0"/>
-              <a:t>the</a:t>
-            </a:r>
-            <a:r>
-              <a:rPr lang="de-DE" dirty="0" err="1" smtClean="0"/>
-              <a:t>y</a:t>
+              <a:t>they</a:t>
             </a:r>
             <a:r>
               <a:rPr lang="de-DE" dirty="0" smtClean="0"/>
@@ -28533,7 +28563,6 @@
               <a:rPr lang="de-DE" dirty="0" smtClean="0"/>
               <a:t>)</a:t>
             </a:r>
-            <a:endParaRPr lang="de-DE" dirty="0" smtClean="0"/>
           </a:p>
           <a:p>
             <a:r>
@@ -28624,7 +28653,6 @@
               <a:rPr lang="de-DE" dirty="0" smtClean="0"/>
               <a:t> 0)</a:t>
             </a:r>
-            <a:endParaRPr lang="de-DE" dirty="0" smtClean="0"/>
           </a:p>
           <a:p>
             <a:pPr lvl="1"/>
@@ -28712,7 +28740,6 @@
               <a:rPr lang="de-DE" dirty="0" smtClean="0"/>
               <a:t>)</a:t>
             </a:r>
-            <a:endParaRPr lang="de-DE" dirty="0" smtClean="0"/>
           </a:p>
           <a:p>
             <a:pPr lvl="1"/>
@@ -28842,7 +28869,12 @@
             <p:ph idx="1"/>
           </p:nvPr>
         </p:nvSpPr>
-        <p:spPr/>
+        <p:spPr>
+          <a:xfrm>
+            <a:off x="1631504" y="2132856"/>
+            <a:ext cx="6912768" cy="4594820"/>
+          </a:xfrm>
+        </p:spPr>
         <p:txBody>
           <a:bodyPr/>
           <a:lstStyle/>
@@ -29059,19 +29091,12 @@
           <a:p>
             <a:pPr lvl="1"/>
             <a:r>
+              <a:rPr lang="de-DE" dirty="0" smtClean="0"/>
+              <a:t>http</a:t>
+            </a:r>
+            <a:r>
               <a:rPr lang="de-DE" dirty="0"/>
-              <a:t>http://www.informit.com/articles/</a:t>
-            </a:r>
-            <a:br>
-              <a:rPr lang="de-DE" dirty="0"/>
-            </a:br>
-            <a:r>
-              <a:rPr lang="de-DE" dirty="0" err="1"/>
-              <a:t>article.aspx?p</a:t>
-            </a:r>
-            <a:r>
-              <a:rPr lang="de-DE" dirty="0"/>
-              <a:t>=342034</a:t>
+              <a:t>://www.informit.com/articles/article.aspx?p=342034</a:t>
             </a:r>
           </a:p>
         </p:txBody>
@@ -29127,7 +29152,7 @@
         </p:blipFill>
         <p:spPr>
           <a:xfrm>
-            <a:off x="8688288" y="3212976"/>
+            <a:off x="8837887" y="2134194"/>
             <a:ext cx="2478013" cy="3310508"/>
           </a:xfrm>
           <a:prstGeom prst="rect">
@@ -29768,11 +29793,7 @@
             </a:r>
             <a:r>
               <a:rPr lang="de-DE" dirty="0" err="1" smtClean="0"/>
-              <a:t>eac</a:t>
-            </a:r>
-            <a:r>
-              <a:rPr lang="de-DE" dirty="0" err="1" smtClean="0"/>
-              <a:t>h</a:t>
+              <a:t>each</a:t>
             </a:r>
             <a:r>
               <a:rPr lang="de-DE" dirty="0" smtClean="0"/>
@@ -30861,11 +30882,7 @@
             </a:pPr>
             <a:r>
               <a:rPr lang="en-US" dirty="0" smtClean="0"/>
-              <a:t>Allows the call to clone if it is </a:t>
-            </a:r>
-            <a:r>
-              <a:rPr lang="en-US" dirty="0" smtClean="0"/>
-              <a:t>implemented</a:t>
+              <a:t>Allows the call to clone if it is implemented</a:t>
             </a:r>
             <a:endParaRPr lang="en-US" dirty="0"/>
           </a:p>
@@ -31072,11 +31089,7 @@
             </a:pPr>
             <a:r>
               <a:rPr lang="en-US" dirty="0" smtClean="0"/>
-              <a:t>Destructor for </a:t>
-            </a:r>
-            <a:r>
-              <a:rPr lang="en-US" dirty="0" smtClean="0"/>
-              <a:t>hint to the garbage collector</a:t>
+              <a:t>Destructor for hint to the garbage collector</a:t>
             </a:r>
             <a:endParaRPr lang="en-US" dirty="0"/>
           </a:p>
@@ -32180,7 +32193,7 @@
         <p:spPr bwMode="auto">
           <a:xfrm>
             <a:off x="1919288" y="1916113"/>
-            <a:ext cx="6589712" cy="831850"/>
+            <a:ext cx="4669740" cy="830997"/>
           </a:xfrm>
           <a:prstGeom prst="rect">
             <a:avLst/>
@@ -32200,15 +32213,42 @@
           <a:lstStyle/>
           <a:p>
             <a:r>
-              <a:rPr lang="de-DE" sz="4800">
+              <a:rPr lang="de-DE" sz="4800" dirty="0" err="1" smtClean="0">
                 <a:solidFill>
                   <a:schemeClr val="bg1"/>
                 </a:solidFill>
                 <a:latin typeface="Calibri" pitchFamily="34" charset="0"/>
               </a:rPr>
-              <a:t>Klassen für Zeichenketten</a:t>
-            </a:r>
-            <a:endParaRPr lang="de-DE" sz="4800" i="1">
+              <a:t>Classes</a:t>
+            </a:r>
+            <a:r>
+              <a:rPr lang="de-DE" sz="4800" dirty="0" smtClean="0">
+                <a:solidFill>
+                  <a:schemeClr val="bg1"/>
+                </a:solidFill>
+                <a:latin typeface="Calibri" pitchFamily="34" charset="0"/>
+              </a:rPr>
+              <a:t> </a:t>
+            </a:r>
+            <a:r>
+              <a:rPr lang="de-DE" sz="4800" dirty="0" err="1" smtClean="0">
+                <a:solidFill>
+                  <a:schemeClr val="bg1"/>
+                </a:solidFill>
+                <a:latin typeface="Calibri" pitchFamily="34" charset="0"/>
+              </a:rPr>
+              <a:t>for</a:t>
+            </a:r>
+            <a:r>
+              <a:rPr lang="de-DE" sz="4800" dirty="0" smtClean="0">
+                <a:solidFill>
+                  <a:schemeClr val="bg1"/>
+                </a:solidFill>
+                <a:latin typeface="Calibri" pitchFamily="34" charset="0"/>
+              </a:rPr>
+              <a:t> Strings</a:t>
+            </a:r>
+            <a:endParaRPr lang="de-DE" sz="4800" dirty="0">
               <a:solidFill>
                 <a:schemeClr val="bg1"/>
               </a:solidFill>
@@ -32716,14 +32756,7 @@
                 <a:latin typeface="+mj-lt"/>
                 <a:cs typeface="Consolas" panose="020B0609020204030204" pitchFamily="49" charset="0"/>
               </a:rPr>
-              <a:t> </a:t>
-            </a:r>
-            <a:r>
-              <a:rPr lang="de-DE" dirty="0" smtClean="0">
-                <a:latin typeface="+mj-lt"/>
-                <a:cs typeface="Consolas" panose="020B0609020204030204" pitchFamily="49" charset="0"/>
-              </a:rPr>
-              <a:t>String</a:t>
+              <a:t> String</a:t>
             </a:r>
             <a:r>
               <a:rPr lang="de-DE" sz="2000" dirty="0" smtClean="0">
@@ -36491,11 +36524,7 @@
             </a:r>
             <a:r>
               <a:rPr lang="de-DE" dirty="0" err="1" smtClean="0"/>
-              <a:t>char</a:t>
-            </a:r>
-            <a:r>
-              <a:rPr lang="de-DE" dirty="0" err="1" smtClean="0"/>
-              <a:t>s</a:t>
+              <a:t>chars</a:t>
             </a:r>
             <a:r>
               <a:rPr lang="de-DE" dirty="0" smtClean="0"/>
@@ -39980,6 +40009,13 @@
   <p:clrMapOvr>
     <a:masterClrMapping/>
   </p:clrMapOvr>
+  <p:timing>
+    <p:tnLst>
+      <p:par>
+        <p:cTn id="1" dur="indefinite" restart="never" nodeType="tmRoot"/>
+      </p:par>
+    </p:tnLst>
+  </p:timing>
 </p:sld>
 </file>
 
@@ -40059,11 +40095,7 @@
             </a:r>
             <a:r>
               <a:rPr lang="de-DE" dirty="0" smtClean="0"/>
-              <a:t> via </a:t>
-            </a:r>
-            <a:r>
-              <a:rPr lang="de-DE" dirty="0" smtClean="0"/>
-              <a:t>double </a:t>
+              <a:t> via double </a:t>
             </a:r>
             <a:r>
               <a:rPr lang="de-DE" dirty="0" err="1"/>
@@ -41303,11 +41335,7 @@
             </a:r>
             <a:r>
               <a:rPr lang="en-US" dirty="0" smtClean="0"/>
-              <a:t>fills a </a:t>
-            </a:r>
-            <a:r>
-              <a:rPr lang="en-US" dirty="0" smtClean="0"/>
-              <a:t>with data</a:t>
+              <a:t>fills a with data</a:t>
             </a:r>
             <a:endParaRPr lang="en-US" dirty="0"/>
           </a:p>
@@ -42180,11 +42208,11 @@
   <p:clrMapOvr>
     <a:masterClrMapping/>
   </p:clrMapOvr>
-  <mc:AlternateContent xmlns:mc="http://schemas.openxmlformats.org/markup-compatibility/2006">
-    <mc:Choice xmlns:p14="http://schemas.microsoft.com/office/powerpoint/2010/main" Requires="p14">
+  <mc:AlternateContent xmlns:mc="http://schemas.openxmlformats.org/markup-compatibility/2006" xmlns:p14="http://schemas.microsoft.com/office/powerpoint/2010/main">
+    <mc:Choice Requires="p14">
       <p:transition spd="slow" p14:dur="2000"/>
     </mc:Choice>
-    <mc:Fallback>
+    <mc:Fallback xmlns="">
       <p:transition spd="slow"/>
     </mc:Fallback>
   </mc:AlternateContent>
@@ -43990,9 +44018,18 @@
           <a:lstStyle/>
           <a:p>
             <a:r>
-              <a:rPr lang="de-DE"/>
-              <a:t>Streams für Zeichenketten</a:t>
-            </a:r>
+              <a:rPr lang="de-DE" dirty="0"/>
+              <a:t>Streams </a:t>
+            </a:r>
+            <a:r>
+              <a:rPr lang="de-DE" dirty="0" err="1" smtClean="0"/>
+              <a:t>for</a:t>
+            </a:r>
+            <a:r>
+              <a:rPr lang="de-DE" dirty="0" smtClean="0"/>
+              <a:t> Strings</a:t>
+            </a:r>
+            <a:endParaRPr lang="de-DE" dirty="0"/>
           </a:p>
         </p:txBody>
       </p:sp>
@@ -44068,7 +44105,7 @@
             </a:r>
             <a:r>
               <a:rPr lang="de-DE" dirty="0" err="1" smtClean="0"/>
-              <a:t>writingSchreiben</a:t>
+              <a:t>writing</a:t>
             </a:r>
             <a:endParaRPr lang="de-DE" dirty="0"/>
           </a:p>
@@ -46769,7 +46806,7 @@
               <a:defRPr/>
             </a:pPr>
             <a:r>
-              <a:rPr lang="de-DE" smtClean="0"/>
+              <a:rPr lang="de-DE" dirty="0" err="1" smtClean="0"/>
               <a:t>Use</a:t>
             </a:r>
             <a:r>
@@ -50899,6 +50936,13 @@
   <p:clrMapOvr>
     <a:masterClrMapping/>
   </p:clrMapOvr>
+  <p:timing>
+    <p:tnLst>
+      <p:par>
+        <p:cTn id="1" dur="indefinite" restart="never" nodeType="tmRoot"/>
+      </p:par>
+    </p:tnLst>
+  </p:timing>
 </p:sld>
 </file>
 
@@ -51094,6 +51138,13 @@
   <p:clrMapOvr>
     <a:masterClrMapping/>
   </p:clrMapOvr>
+  <p:timing>
+    <p:tnLst>
+      <p:par>
+        <p:cTn id="1" dur="indefinite" restart="never" nodeType="tmRoot"/>
+      </p:par>
+    </p:tnLst>
+  </p:timing>
 </p:sld>
 </file>
 
